--- a/M10507302/陳昶儒-周鴻汶-王仁緯-KDD-cup-2017.pptx
+++ b/M10507302/陳昶儒-周鴻汶-王仁緯-KDD-cup-2017.pptx
@@ -6,7 +6,7 @@
     <p:sldMasterId id="2147483720" r:id="rId2"/>
   </p:sldMasterIdLst>
   <p:notesMasterIdLst>
-    <p:notesMasterId r:id="rId30"/>
+    <p:notesMasterId r:id="rId32"/>
   </p:notesMasterIdLst>
   <p:sldIdLst>
     <p:sldId id="317" r:id="rId3"/>
@@ -30,12 +30,14 @@
     <p:sldId id="341" r:id="rId21"/>
     <p:sldId id="342" r:id="rId22"/>
     <p:sldId id="343" r:id="rId23"/>
-    <p:sldId id="325" r:id="rId24"/>
-    <p:sldId id="326" r:id="rId25"/>
-    <p:sldId id="327" r:id="rId26"/>
-    <p:sldId id="328" r:id="rId27"/>
-    <p:sldId id="346" r:id="rId28"/>
-    <p:sldId id="347" r:id="rId29"/>
+    <p:sldId id="349" r:id="rId24"/>
+    <p:sldId id="350" r:id="rId25"/>
+    <p:sldId id="325" r:id="rId26"/>
+    <p:sldId id="326" r:id="rId27"/>
+    <p:sldId id="327" r:id="rId28"/>
+    <p:sldId id="328" r:id="rId29"/>
+    <p:sldId id="346" r:id="rId30"/>
+    <p:sldId id="347" r:id="rId31"/>
   </p:sldIdLst>
   <p:sldSz cx="12192000" cy="6858000"/>
   <p:notesSz cx="6858000" cy="9144000"/>
@@ -164,6 +166,8 @@
             <p14:sldId id="341"/>
             <p14:sldId id="342"/>
             <p14:sldId id="343"/>
+            <p14:sldId id="349"/>
+            <p14:sldId id="350"/>
           </p14:sldIdLst>
         </p14:section>
         <p14:section name="Task2" id="{44D32CC2-0415-644F-9B19-137E18CF0E15}">
@@ -863,7 +867,7 @@
           <a:p>
             <a:fld id="{1ADC6C38-875B-411C-A7B9-4BA8435EED61}" type="slidenum">
               <a:rPr lang="zh-TW" altLang="en-US" smtClean="0"/>
-              <a:t>23</a:t>
+              <a:t>25</a:t>
             </a:fld>
             <a:endParaRPr lang="zh-TW" altLang="en-US"/>
           </a:p>
@@ -5456,15 +5460,7 @@
             </a:r>
             <a:r>
               <a:rPr lang="zh-TW" altLang="en-US" dirty="0" smtClean="0"/>
-              <a:t>：</a:t>
-            </a:r>
-            <a:r>
-              <a:rPr lang="zh-TW" altLang="en-US" dirty="0" smtClean="0"/>
-              <a:t>李漢銘 </a:t>
-            </a:r>
-            <a:r>
-              <a:rPr lang="zh-TW" altLang="en-US" dirty="0" smtClean="0"/>
-              <a:t>老師</a:t>
+              <a:t>：李漢銘 老師</a:t>
             </a:r>
             <a:endParaRPr lang="en-US" altLang="zh-TW" dirty="0" smtClean="0"/>
           </a:p>
@@ -7192,7 +7188,7 @@
 </file>
 
 <file path=ppt/slides/slide12.xml><?xml version="1.0" encoding="utf-8"?>
-<p:sld xmlns:a="http://schemas.openxmlformats.org/drawingml/2006/main" xmlns:r="http://schemas.openxmlformats.org/officeDocument/2006/relationships" xmlns:p="http://schemas.openxmlformats.org/presentationml/2006/main">
+<p:sld xmlns:a="http://schemas.openxmlformats.org/drawingml/2006/main" xmlns:r="http://schemas.openxmlformats.org/officeDocument/2006/relationships" xmlns:p="http://schemas.openxmlformats.org/presentationml/2006/main" show="0">
   <p:cSld>
     <p:spTree>
       <p:nvGrpSpPr>
@@ -7307,6 +7303,14 @@
   <p:clrMapOvr>
     <a:masterClrMapping/>
   </p:clrMapOvr>
+  <mc:AlternateContent xmlns:mc="http://schemas.openxmlformats.org/markup-compatibility/2006">
+    <mc:Choice xmlns:p14="http://schemas.microsoft.com/office/powerpoint/2010/main" Requires="p14">
+      <p:transition spd="slow" p14:dur="2000"/>
+    </mc:Choice>
+    <mc:Fallback>
+      <p:transition spd="slow"/>
+    </mc:Fallback>
+  </mc:AlternateContent>
   <p:timing>
     <p:tnLst>
       <p:par>
@@ -9534,9 +9538,27 @@
                 <a:tableStyleId>{5C22544A-7EE6-4342-B048-85BDC9FD1C3A}</a:tableStyleId>
               </a:tblPr>
               <a:tblGrid>
-                <a:gridCol w="1255878"/>
-                <a:gridCol w="2621602"/>
-                <a:gridCol w="2162710"/>
+                <a:gridCol w="1255878">
+                  <a:extLst>
+                    <a:ext uri="{9D8B030D-6E8A-4147-A177-3AD203B41FA5}">
+                      <a16:colId xmlns:a16="http://schemas.microsoft.com/office/drawing/2014/main" xmlns="" val="20000"/>
+                    </a:ext>
+                  </a:extLst>
+                </a:gridCol>
+                <a:gridCol w="2621602">
+                  <a:extLst>
+                    <a:ext uri="{9D8B030D-6E8A-4147-A177-3AD203B41FA5}">
+                      <a16:colId xmlns:a16="http://schemas.microsoft.com/office/drawing/2014/main" xmlns="" val="20001"/>
+                    </a:ext>
+                  </a:extLst>
+                </a:gridCol>
+                <a:gridCol w="2162710">
+                  <a:extLst>
+                    <a:ext uri="{9D8B030D-6E8A-4147-A177-3AD203B41FA5}">
+                      <a16:colId xmlns:a16="http://schemas.microsoft.com/office/drawing/2014/main" xmlns="" val="20002"/>
+                    </a:ext>
+                  </a:extLst>
+                </a:gridCol>
               </a:tblGrid>
               <a:tr h="911787">
                 <a:tc>
@@ -9599,6 +9621,11 @@
                   </a:txBody>
                   <a:tcPr anchor="ctr"/>
                 </a:tc>
+                <a:extLst>
+                  <a:ext uri="{0D108BD9-81ED-4DB2-BD59-A6C34878D82A}">
+                    <a16:rowId xmlns:a16="http://schemas.microsoft.com/office/drawing/2014/main" xmlns="" val="10000"/>
+                  </a:ext>
+                </a:extLst>
               </a:tr>
               <a:tr h="860894">
                 <a:tc>
@@ -9646,6 +9673,11 @@
                   </a:txBody>
                   <a:tcPr anchor="ctr"/>
                 </a:tc>
+                <a:extLst>
+                  <a:ext uri="{0D108BD9-81ED-4DB2-BD59-A6C34878D82A}">
+                    <a16:rowId xmlns:a16="http://schemas.microsoft.com/office/drawing/2014/main" xmlns="" val="10001"/>
+                  </a:ext>
+                </a:extLst>
               </a:tr>
               <a:tr h="860894">
                 <a:tc>
@@ -9693,6 +9725,11 @@
                   </a:txBody>
                   <a:tcPr anchor="ctr"/>
                 </a:tc>
+                <a:extLst>
+                  <a:ext uri="{0D108BD9-81ED-4DB2-BD59-A6C34878D82A}">
+                    <a16:rowId xmlns:a16="http://schemas.microsoft.com/office/drawing/2014/main" xmlns="" val="10002"/>
+                  </a:ext>
+                </a:extLst>
               </a:tr>
               <a:tr h="860894">
                 <a:tc>
@@ -9740,6 +9777,11 @@
                   </a:txBody>
                   <a:tcPr anchor="ctr"/>
                 </a:tc>
+                <a:extLst>
+                  <a:ext uri="{0D108BD9-81ED-4DB2-BD59-A6C34878D82A}">
+                    <a16:rowId xmlns:a16="http://schemas.microsoft.com/office/drawing/2014/main" xmlns="" val="10003"/>
+                  </a:ext>
+                </a:extLst>
               </a:tr>
             </a:tbl>
           </a:graphicData>
@@ -10727,7 +10769,7 @@
         </p:blipFill>
         <p:spPr>
           <a:xfrm>
-            <a:off x="609600" y="1446713"/>
+            <a:off x="609600" y="1586367"/>
             <a:ext cx="10972800" cy="3881208"/>
           </a:xfrm>
           <a:prstGeom prst="rect">
@@ -10823,6 +10865,339 @@
             <a:spLocks noGrp="1"/>
           </p:cNvSpPr>
           <p:nvPr>
+            <p:ph type="title"/>
+          </p:nvPr>
+        </p:nvSpPr>
+        <p:spPr/>
+        <p:txBody>
+          <a:bodyPr/>
+          <a:lstStyle/>
+          <a:p>
+            <a:r>
+              <a:rPr kumimoji="1" lang="en-US" altLang="zh-TW" dirty="0" err="1" smtClean="0"/>
+              <a:t>XGboost</a:t>
+            </a:r>
+            <a:endParaRPr kumimoji="1" lang="zh-TW" altLang="en-US" dirty="0"/>
+          </a:p>
+        </p:txBody>
+      </p:sp>
+      <p:sp>
+        <p:nvSpPr>
+          <p:cNvPr id="3" name="投影片編號版面配置區 2"/>
+          <p:cNvSpPr>
+            <a:spLocks noGrp="1"/>
+          </p:cNvSpPr>
+          <p:nvPr>
+            <p:ph type="sldNum" sz="quarter" idx="12"/>
+          </p:nvPr>
+        </p:nvSpPr>
+        <p:spPr/>
+        <p:txBody>
+          <a:bodyPr/>
+          <a:lstStyle/>
+          <a:p>
+            <a:fld id="{76B6CA44-EDDB-49C4-8E4E-F0B96AD15082}" type="slidenum">
+              <a:rPr lang="zh-TW" altLang="en-US" smtClean="0"/>
+              <a:t>22</a:t>
+            </a:fld>
+            <a:endParaRPr lang="zh-TW" altLang="en-US"/>
+          </a:p>
+        </p:txBody>
+      </p:sp>
+      <p:sp>
+        <p:nvSpPr>
+          <p:cNvPr id="6" name="文字方塊 5"/>
+          <p:cNvSpPr txBox="1"/>
+          <p:nvPr/>
+        </p:nvSpPr>
+        <p:spPr>
+          <a:xfrm>
+            <a:off x="609600" y="1415653"/>
+            <a:ext cx="7435969" cy="461665"/>
+          </a:xfrm>
+          <a:prstGeom prst="rect">
+            <a:avLst/>
+          </a:prstGeom>
+          <a:noFill/>
+        </p:spPr>
+        <p:txBody>
+          <a:bodyPr wrap="square" rtlCol="0">
+            <a:spAutoFit/>
+          </a:bodyPr>
+          <a:lstStyle/>
+          <a:p>
+            <a:r>
+              <a:rPr lang="en-US" altLang="zh-TW" sz="2400" dirty="0" err="1" smtClean="0"/>
+              <a:t>max_depth</a:t>
+            </a:r>
+            <a:r>
+              <a:rPr lang="en-US" altLang="zh-TW" sz="2400" dirty="0" smtClean="0"/>
+              <a:t>=2 </a:t>
+            </a:r>
+            <a:r>
+              <a:rPr lang="en-US" altLang="zh-TW" sz="2400" dirty="0"/>
+              <a:t>, </a:t>
+            </a:r>
+            <a:r>
+              <a:rPr lang="en-US" altLang="zh-TW" sz="2400" dirty="0" err="1"/>
+              <a:t>n_estimators</a:t>
+            </a:r>
+            <a:r>
+              <a:rPr lang="en-US" altLang="zh-TW" sz="2400" dirty="0"/>
+              <a:t>=250, </a:t>
+            </a:r>
+            <a:r>
+              <a:rPr lang="en-US" altLang="zh-TW" sz="2400" dirty="0" err="1"/>
+              <a:t>learning_rate</a:t>
+            </a:r>
+            <a:r>
+              <a:rPr lang="en-US" altLang="zh-TW" sz="2400" dirty="0"/>
+              <a:t>=0.01</a:t>
+            </a:r>
+          </a:p>
+        </p:txBody>
+      </p:sp>
+      <p:pic>
+        <p:nvPicPr>
+          <p:cNvPr id="8" name="內容版面配置區 7"/>
+          <p:cNvPicPr>
+            <a:picLocks noGrp="1" noChangeAspect="1"/>
+          </p:cNvPicPr>
+          <p:nvPr>
+            <p:ph sz="quarter" idx="1"/>
+          </p:nvPr>
+        </p:nvPicPr>
+        <p:blipFill>
+          <a:blip r:embed="rId2">
+            <a:extLst>
+              <a:ext uri="{28A0092B-C50C-407E-A947-70E740481C1C}">
+                <a14:useLocalDpi xmlns:a14="http://schemas.microsoft.com/office/drawing/2010/main" val="0"/>
+              </a:ext>
+            </a:extLst>
+          </a:blip>
+          <a:stretch>
+            <a:fillRect/>
+          </a:stretch>
+        </p:blipFill>
+        <p:spPr>
+          <a:xfrm>
+            <a:off x="3162237" y="1920875"/>
+            <a:ext cx="5867525" cy="4937125"/>
+          </a:xfrm>
+        </p:spPr>
+      </p:pic>
+      <p:sp>
+        <p:nvSpPr>
+          <p:cNvPr id="9" name="矩形 8"/>
+          <p:cNvSpPr/>
+          <p:nvPr/>
+        </p:nvSpPr>
+        <p:spPr>
+          <a:xfrm>
+            <a:off x="3252866" y="2833141"/>
+            <a:ext cx="5606321" cy="419724"/>
+          </a:xfrm>
+          <a:prstGeom prst="rect">
+            <a:avLst/>
+          </a:prstGeom>
+          <a:noFill/>
+          <a:ln w="28575">
+            <a:solidFill>
+              <a:srgbClr val="FF0000"/>
+            </a:solidFill>
+          </a:ln>
+        </p:spPr>
+        <p:style>
+          <a:lnRef idx="2">
+            <a:schemeClr val="accent1">
+              <a:shade val="50000"/>
+            </a:schemeClr>
+          </a:lnRef>
+          <a:fillRef idx="1">
+            <a:schemeClr val="accent1"/>
+          </a:fillRef>
+          <a:effectRef idx="0">
+            <a:schemeClr val="accent1"/>
+          </a:effectRef>
+          <a:fontRef idx="minor">
+            <a:schemeClr val="lt1"/>
+          </a:fontRef>
+        </p:style>
+        <p:txBody>
+          <a:bodyPr rtlCol="0" anchor="ctr"/>
+          <a:lstStyle/>
+          <a:p>
+            <a:pPr algn="ctr"/>
+            <a:endParaRPr kumimoji="1" lang="zh-TW" altLang="en-US"/>
+          </a:p>
+        </p:txBody>
+      </p:sp>
+    </p:spTree>
+    <p:extLst>
+      <p:ext uri="{BB962C8B-B14F-4D97-AF65-F5344CB8AC3E}">
+        <p14:creationId xmlns:p14="http://schemas.microsoft.com/office/powerpoint/2010/main" val="1406590772"/>
+      </p:ext>
+    </p:extLst>
+  </p:cSld>
+  <p:clrMapOvr>
+    <a:masterClrMapping/>
+  </p:clrMapOvr>
+</p:sld>
+</file>
+
+<file path=ppt/slides/slide23.xml><?xml version="1.0" encoding="utf-8"?>
+<p:sld xmlns:a="http://schemas.openxmlformats.org/drawingml/2006/main" xmlns:r="http://schemas.openxmlformats.org/officeDocument/2006/relationships" xmlns:p="http://schemas.openxmlformats.org/presentationml/2006/main">
+  <p:cSld>
+    <p:spTree>
+      <p:nvGrpSpPr>
+        <p:cNvPr id="1" name=""/>
+        <p:cNvGrpSpPr/>
+        <p:nvPr/>
+      </p:nvGrpSpPr>
+      <p:grpSpPr>
+        <a:xfrm>
+          <a:off x="0" y="0"/>
+          <a:ext cx="0" cy="0"/>
+          <a:chOff x="0" y="0"/>
+          <a:chExt cx="0" cy="0"/>
+        </a:xfrm>
+      </p:grpSpPr>
+      <p:sp>
+        <p:nvSpPr>
+          <p:cNvPr id="2" name="標題 1"/>
+          <p:cNvSpPr>
+            <a:spLocks noGrp="1"/>
+          </p:cNvSpPr>
+          <p:nvPr>
+            <p:ph type="title"/>
+          </p:nvPr>
+        </p:nvSpPr>
+        <p:spPr/>
+        <p:txBody>
+          <a:bodyPr/>
+          <a:lstStyle/>
+          <a:p>
+            <a:r>
+              <a:rPr kumimoji="1" lang="en-US" altLang="zh-TW" dirty="0" err="1" smtClean="0"/>
+              <a:t>XGboost</a:t>
+            </a:r>
+            <a:r>
+              <a:rPr kumimoji="1" lang="en-US" altLang="zh-TW" dirty="0" smtClean="0"/>
+              <a:t> rank</a:t>
+            </a:r>
+            <a:endParaRPr kumimoji="1" lang="zh-TW" altLang="en-US" dirty="0"/>
+          </a:p>
+        </p:txBody>
+      </p:sp>
+      <p:sp>
+        <p:nvSpPr>
+          <p:cNvPr id="3" name="投影片編號版面配置區 2"/>
+          <p:cNvSpPr>
+            <a:spLocks noGrp="1"/>
+          </p:cNvSpPr>
+          <p:nvPr>
+            <p:ph type="sldNum" sz="quarter" idx="12"/>
+          </p:nvPr>
+        </p:nvSpPr>
+        <p:spPr/>
+        <p:txBody>
+          <a:bodyPr/>
+          <a:lstStyle/>
+          <a:p>
+            <a:fld id="{76B6CA44-EDDB-49C4-8E4E-F0B96AD15082}" type="slidenum">
+              <a:rPr lang="zh-TW" altLang="en-US" smtClean="0"/>
+              <a:t>23</a:t>
+            </a:fld>
+            <a:endParaRPr lang="zh-TW" altLang="en-US"/>
+          </a:p>
+        </p:txBody>
+      </p:sp>
+      <p:sp>
+        <p:nvSpPr>
+          <p:cNvPr id="4" name="內容版面配置區 3"/>
+          <p:cNvSpPr>
+            <a:spLocks noGrp="1"/>
+          </p:cNvSpPr>
+          <p:nvPr>
+            <p:ph sz="quarter" idx="1"/>
+          </p:nvPr>
+        </p:nvSpPr>
+        <p:spPr/>
+        <p:txBody>
+          <a:bodyPr/>
+          <a:lstStyle/>
+          <a:p>
+            <a:endParaRPr kumimoji="1" lang="zh-TW" altLang="en-US"/>
+          </a:p>
+        </p:txBody>
+      </p:sp>
+      <p:pic>
+        <p:nvPicPr>
+          <p:cNvPr id="5" name="內容版面配置區 4"/>
+          <p:cNvPicPr>
+            <a:picLocks noChangeAspect="1"/>
+          </p:cNvPicPr>
+          <p:nvPr/>
+        </p:nvPicPr>
+        <p:blipFill>
+          <a:blip r:embed="rId2">
+            <a:extLst>
+              <a:ext uri="{28A0092B-C50C-407E-A947-70E740481C1C}">
+                <a14:useLocalDpi xmlns:a14="http://schemas.microsoft.com/office/drawing/2010/main" val="0"/>
+              </a:ext>
+            </a:extLst>
+          </a:blip>
+          <a:stretch>
+            <a:fillRect/>
+          </a:stretch>
+        </p:blipFill>
+        <p:spPr>
+          <a:xfrm>
+            <a:off x="609600" y="1538662"/>
+            <a:ext cx="10972800" cy="4618298"/>
+          </a:xfrm>
+          <a:prstGeom prst="rect">
+            <a:avLst/>
+          </a:prstGeom>
+        </p:spPr>
+      </p:pic>
+    </p:spTree>
+    <p:extLst>
+      <p:ext uri="{BB962C8B-B14F-4D97-AF65-F5344CB8AC3E}">
+        <p14:creationId xmlns:p14="http://schemas.microsoft.com/office/powerpoint/2010/main" val="593849534"/>
+      </p:ext>
+    </p:extLst>
+  </p:cSld>
+  <p:clrMapOvr>
+    <a:masterClrMapping/>
+  </p:clrMapOvr>
+</p:sld>
+</file>
+
+<file path=ppt/slides/slide24.xml><?xml version="1.0" encoding="utf-8"?>
+<p:sld xmlns:a="http://schemas.openxmlformats.org/drawingml/2006/main" xmlns:r="http://schemas.openxmlformats.org/officeDocument/2006/relationships" xmlns:p="http://schemas.openxmlformats.org/presentationml/2006/main">
+  <p:cSld>
+    <p:spTree>
+      <p:nvGrpSpPr>
+        <p:cNvPr id="1" name=""/>
+        <p:cNvGrpSpPr/>
+        <p:nvPr/>
+      </p:nvGrpSpPr>
+      <p:grpSpPr>
+        <a:xfrm>
+          <a:off x="0" y="0"/>
+          <a:ext cx="0" cy="0"/>
+          <a:chOff x="0" y="0"/>
+          <a:chExt cx="0" cy="0"/>
+        </a:xfrm>
+      </p:grpSpPr>
+      <p:sp>
+        <p:nvSpPr>
+          <p:cNvPr id="2" name="標題 1"/>
+          <p:cNvSpPr>
+            <a:spLocks noGrp="1"/>
+          </p:cNvSpPr>
+          <p:nvPr>
             <p:ph type="ctrTitle"/>
           </p:nvPr>
         </p:nvSpPr>
@@ -10858,7 +11233,7 @@
           <a:p>
             <a:fld id="{76B6CA44-EDDB-49C4-8E4E-F0B96AD15082}" type="slidenum">
               <a:rPr lang="zh-TW" altLang="en-US" smtClean="0"/>
-              <a:t>22</a:t>
+              <a:t>24</a:t>
             </a:fld>
             <a:endParaRPr lang="zh-TW" altLang="en-US"/>
           </a:p>
@@ -10903,7 +11278,7 @@
 </p:sld>
 </file>
 
-<file path=ppt/slides/slide23.xml><?xml version="1.0" encoding="utf-8"?>
+<file path=ppt/slides/slide25.xml><?xml version="1.0" encoding="utf-8"?>
 <p:sld xmlns:a="http://schemas.openxmlformats.org/drawingml/2006/main" xmlns:r="http://schemas.openxmlformats.org/officeDocument/2006/relationships" xmlns:p="http://schemas.openxmlformats.org/presentationml/2006/main">
   <p:cSld>
     <p:spTree>
@@ -11014,7 +11389,7 @@
           <a:p>
             <a:fld id="{76B6CA44-EDDB-49C4-8E4E-F0B96AD15082}" type="slidenum">
               <a:rPr lang="zh-TW" altLang="en-US" smtClean="0"/>
-              <a:t>23</a:t>
+              <a:t>25</a:t>
             </a:fld>
             <a:endParaRPr lang="zh-TW" altLang="en-US" dirty="0"/>
           </a:p>
@@ -11130,7 +11505,7 @@
 </p:sld>
 </file>
 
-<file path=ppt/slides/slide24.xml><?xml version="1.0" encoding="utf-8"?>
+<file path=ppt/slides/slide26.xml><?xml version="1.0" encoding="utf-8"?>
 <p:sld xmlns:a="http://schemas.openxmlformats.org/drawingml/2006/main" xmlns:r="http://schemas.openxmlformats.org/officeDocument/2006/relationships" xmlns:p="http://schemas.openxmlformats.org/presentationml/2006/main">
   <p:cSld>
     <p:spTree>
@@ -11183,7 +11558,7 @@
           <a:p>
             <a:fld id="{76B6CA44-EDDB-49C4-8E4E-F0B96AD15082}" type="slidenum">
               <a:rPr lang="zh-TW" altLang="en-US" smtClean="0"/>
-              <a:t>24</a:t>
+              <a:t>26</a:t>
             </a:fld>
             <a:endParaRPr lang="zh-TW" altLang="en-US"/>
           </a:p>
@@ -11506,10 +11881,17 @@
   <p:clrMapOvr>
     <a:masterClrMapping/>
   </p:clrMapOvr>
+  <p:timing>
+    <p:tnLst>
+      <p:par>
+        <p:cTn id="1" dur="indefinite" restart="never" nodeType="tmRoot"/>
+      </p:par>
+    </p:tnLst>
+  </p:timing>
 </p:sld>
 </file>
 
-<file path=ppt/slides/slide25.xml><?xml version="1.0" encoding="utf-8"?>
+<file path=ppt/slides/slide27.xml><?xml version="1.0" encoding="utf-8"?>
 <p:sld xmlns:a="http://schemas.openxmlformats.org/drawingml/2006/main" xmlns:r="http://schemas.openxmlformats.org/officeDocument/2006/relationships" xmlns:p="http://schemas.openxmlformats.org/presentationml/2006/main">
   <p:cSld>
     <p:spTree>
@@ -11566,7 +11948,7 @@
           <a:p>
             <a:fld id="{76B6CA44-EDDB-49C4-8E4E-F0B96AD15082}" type="slidenum">
               <a:rPr lang="zh-TW" altLang="en-US" smtClean="0"/>
-              <a:t>25</a:t>
+              <a:t>27</a:t>
             </a:fld>
             <a:endParaRPr lang="zh-TW" altLang="en-US"/>
           </a:p>
@@ -11705,10 +12087,17 @@
   <p:clrMapOvr>
     <a:masterClrMapping/>
   </p:clrMapOvr>
+  <p:timing>
+    <p:tnLst>
+      <p:par>
+        <p:cTn id="1" dur="indefinite" restart="never" nodeType="tmRoot"/>
+      </p:par>
+    </p:tnLst>
+  </p:timing>
 </p:sld>
 </file>
 
-<file path=ppt/slides/slide26.xml><?xml version="1.0" encoding="utf-8"?>
+<file path=ppt/slides/slide28.xml><?xml version="1.0" encoding="utf-8"?>
 <p:sld xmlns:a="http://schemas.openxmlformats.org/drawingml/2006/main" xmlns:r="http://schemas.openxmlformats.org/officeDocument/2006/relationships" xmlns:p="http://schemas.openxmlformats.org/presentationml/2006/main">
   <p:cSld>
     <p:spTree>
@@ -11773,7 +12162,7 @@
           <a:p>
             <a:fld id="{76B6CA44-EDDB-49C4-8E4E-F0B96AD15082}" type="slidenum">
               <a:rPr lang="zh-TW" altLang="en-US" smtClean="0"/>
-              <a:t>26</a:t>
+              <a:t>28</a:t>
             </a:fld>
             <a:endParaRPr lang="zh-TW" altLang="en-US"/>
           </a:p>
@@ -11938,10 +12327,17 @@
   <p:clrMapOvr>
     <a:masterClrMapping/>
   </p:clrMapOvr>
+  <p:timing>
+    <p:tnLst>
+      <p:par>
+        <p:cTn id="1" dur="indefinite" restart="never" nodeType="tmRoot"/>
+      </p:par>
+    </p:tnLst>
+  </p:timing>
 </p:sld>
 </file>
 
-<file path=ppt/slides/slide27.xml><?xml version="1.0" encoding="utf-8"?>
+<file path=ppt/slides/slide29.xml><?xml version="1.0" encoding="utf-8"?>
 <p:sld xmlns:a="http://schemas.openxmlformats.org/drawingml/2006/main" xmlns:r="http://schemas.openxmlformats.org/officeDocument/2006/relationships" xmlns:p="http://schemas.openxmlformats.org/presentationml/2006/main">
   <p:cSld>
     <p:spTree>
@@ -11975,7 +12371,7 @@
           <a:p>
             <a:fld id="{76B6CA44-EDDB-49C4-8E4E-F0B96AD15082}" type="slidenum">
               <a:rPr lang="zh-TW" altLang="en-US" smtClean="0"/>
-              <a:t>27</a:t>
+              <a:t>29</a:t>
             </a:fld>
             <a:endParaRPr lang="zh-TW" altLang="en-US"/>
           </a:p>
@@ -12022,6 +12418,13 @@
   <p:clrMapOvr>
     <a:masterClrMapping/>
   </p:clrMapOvr>
+  <p:timing>
+    <p:tnLst>
+      <p:par>
+        <p:cTn id="1" dur="indefinite" restart="never" nodeType="tmRoot"/>
+      </p:par>
+    </p:tnLst>
+  </p:timing>
 </p:sld>
 </file>
 
@@ -12089,13 +12492,8 @@
             <a:pPr lvl="1"/>
             <a:r>
               <a:rPr lang="en-US" altLang="zh-TW" dirty="0" smtClean="0"/>
-              <a:t>Data </a:t>
-            </a:r>
-            <a:r>
-              <a:rPr lang="en-US" altLang="zh-TW" dirty="0" smtClean="0"/>
-              <a:t>processing</a:t>
-            </a:r>
-            <a:endParaRPr lang="en-US" altLang="zh-TW" dirty="0" smtClean="0"/>
+              <a:t>Data processing</a:t>
+            </a:r>
           </a:p>
           <a:p>
             <a:pPr lvl="1"/>
@@ -13392,7 +13790,7 @@
           <p:nvPr/>
         </p:nvPicPr>
         <p:blipFill>
-          <a:blip r:embed="rId4">
+          <a:blip r:embed="rId4" cstate="print">
             <a:extLst>
               <a:ext uri="{28A0092B-C50C-407E-A947-70E740481C1C}">
                 <a14:useLocalDpi xmlns:a14="http://schemas.microsoft.com/office/drawing/2010/main" val="0"/>
